--- a/Presentacion_grupo03.pptx
+++ b/Presentacion_grupo03.pptx
@@ -2010,7 +2010,7 @@
   <p:cSld>
     <p:spTree>
       <p:nvGrpSpPr>
-        <p:cNvPr id="328" name="Shape 328"/>
+        <p:cNvPr id="329" name="Shape 329"/>
         <p:cNvGrpSpPr/>
         <p:nvPr/>
       </p:nvGrpSpPr>
@@ -2024,7 +2024,7 @@
       </p:grpSpPr>
       <p:sp>
         <p:nvSpPr>
-          <p:cNvPr id="329" name="Google Shape;329;g1dd98b11420_2_87:notes"/>
+          <p:cNvPr id="330" name="Google Shape;330;g1dd98b11420_2_87:notes"/>
           <p:cNvSpPr/>
           <p:nvPr>
             <p:ph idx="2" type="sldImg"/>
@@ -2059,7 +2059,7 @@
       </p:sp>
       <p:sp>
         <p:nvSpPr>
-          <p:cNvPr id="330" name="Google Shape;330;g1dd98b11420_2_87:notes"/>
+          <p:cNvPr id="331" name="Google Shape;331;g1dd98b11420_2_87:notes"/>
           <p:cNvSpPr txBox="1"/>
           <p:nvPr>
             <p:ph idx="1" type="body"/>
@@ -12846,9 +12846,49 @@
           </a:ln>
         </p:spPr>
       </p:pic>
+      <p:sp>
+        <p:nvSpPr>
+          <p:cNvPr id="289" name="Google Shape;289;p28"/>
+          <p:cNvSpPr txBox="1"/>
+          <p:nvPr>
+            <p:ph idx="12" type="sldNum"/>
+          </p:nvPr>
+        </p:nvSpPr>
+        <p:spPr>
+          <a:xfrm>
+            <a:off x="8390734" y="4543668"/>
+            <a:ext cx="548700" cy="393600"/>
+          </a:xfrm>
+          <a:prstGeom prst="rect">
+            <a:avLst/>
+          </a:prstGeom>
+        </p:spPr>
+        <p:txBody>
+          <a:bodyPr anchorCtr="0" anchor="ctr" bIns="91425" lIns="91425" spcFirstLastPara="1" rIns="91425" wrap="square" tIns="91425">
+            <a:normAutofit/>
+          </a:bodyPr>
+          <a:lstStyle/>
+          <a:p>
+            <a:pPr indent="0" lvl="0" marL="0" rtl="0" algn="r">
+              <a:spcBef>
+                <a:spcPts val="0"/>
+              </a:spcBef>
+              <a:spcAft>
+                <a:spcPts val="0"/>
+              </a:spcAft>
+              <a:buNone/>
+            </a:pPr>
+            <a:fld id="{00000000-1234-1234-1234-123412341234}" type="slidenum">
+              <a:rPr lang="es-419"/>
+              <a:t>‹#›</a:t>
+            </a:fld>
+            <a:endParaRPr/>
+          </a:p>
+        </p:txBody>
+      </p:sp>
       <p:pic>
         <p:nvPicPr>
-          <p:cNvPr id="289" name="Google Shape;289;p28"/>
+          <p:cNvPr id="290" name="Google Shape;290;p28"/>
           <p:cNvPicPr preferRelativeResize="0"/>
           <p:nvPr/>
         </p:nvPicPr>
@@ -12862,8 +12902,8 @@
         </p:blipFill>
         <p:spPr>
           <a:xfrm>
-            <a:off x="4694025" y="2429050"/>
-            <a:ext cx="3962400" cy="1320800"/>
+            <a:off x="4500502" y="2402938"/>
+            <a:ext cx="4235500" cy="1612889"/>
           </a:xfrm>
           <a:prstGeom prst="rect">
             <a:avLst/>
@@ -12874,46 +12914,6 @@
           </a:ln>
         </p:spPr>
       </p:pic>
-      <p:sp>
-        <p:nvSpPr>
-          <p:cNvPr id="290" name="Google Shape;290;p28"/>
-          <p:cNvSpPr txBox="1"/>
-          <p:nvPr>
-            <p:ph idx="12" type="sldNum"/>
-          </p:nvPr>
-        </p:nvSpPr>
-        <p:spPr>
-          <a:xfrm>
-            <a:off x="8390734" y="4543668"/>
-            <a:ext cx="548700" cy="393600"/>
-          </a:xfrm>
-          <a:prstGeom prst="rect">
-            <a:avLst/>
-          </a:prstGeom>
-        </p:spPr>
-        <p:txBody>
-          <a:bodyPr anchorCtr="0" anchor="ctr" bIns="91425" lIns="91425" spcFirstLastPara="1" rIns="91425" wrap="square" tIns="91425">
-            <a:normAutofit/>
-          </a:bodyPr>
-          <a:lstStyle/>
-          <a:p>
-            <a:pPr indent="0" lvl="0" marL="0" rtl="0" algn="r">
-              <a:spcBef>
-                <a:spcPts val="0"/>
-              </a:spcBef>
-              <a:spcAft>
-                <a:spcPts val="0"/>
-              </a:spcAft>
-              <a:buNone/>
-            </a:pPr>
-            <a:fld id="{00000000-1234-1234-1234-123412341234}" type="slidenum">
-              <a:rPr lang="es-419"/>
-              <a:t>‹#›</a:t>
-            </a:fld>
-            <a:endParaRPr/>
-          </a:p>
-        </p:txBody>
-      </p:sp>
     </p:spTree>
   </p:cSld>
   <p:clrMapOvr>
@@ -13323,9 +13323,49 @@
           </a:ln>
         </p:spPr>
       </p:pic>
+      <p:sp>
+        <p:nvSpPr>
+          <p:cNvPr id="309" name="Google Shape;309;p30"/>
+          <p:cNvSpPr txBox="1"/>
+          <p:nvPr>
+            <p:ph idx="12" type="sldNum"/>
+          </p:nvPr>
+        </p:nvSpPr>
+        <p:spPr>
+          <a:xfrm>
+            <a:off x="8390734" y="4543668"/>
+            <a:ext cx="548700" cy="393600"/>
+          </a:xfrm>
+          <a:prstGeom prst="rect">
+            <a:avLst/>
+          </a:prstGeom>
+        </p:spPr>
+        <p:txBody>
+          <a:bodyPr anchorCtr="0" anchor="ctr" bIns="91425" lIns="91425" spcFirstLastPara="1" rIns="91425" wrap="square" tIns="91425">
+            <a:normAutofit/>
+          </a:bodyPr>
+          <a:lstStyle/>
+          <a:p>
+            <a:pPr indent="0" lvl="0" marL="0" rtl="0" algn="r">
+              <a:spcBef>
+                <a:spcPts val="0"/>
+              </a:spcBef>
+              <a:spcAft>
+                <a:spcPts val="0"/>
+              </a:spcAft>
+              <a:buNone/>
+            </a:pPr>
+            <a:fld id="{00000000-1234-1234-1234-123412341234}" type="slidenum">
+              <a:rPr lang="es-419"/>
+              <a:t>‹#›</a:t>
+            </a:fld>
+            <a:endParaRPr/>
+          </a:p>
+        </p:txBody>
+      </p:sp>
       <p:pic>
         <p:nvPicPr>
-          <p:cNvPr id="309" name="Google Shape;309;p30"/>
+          <p:cNvPr id="310" name="Google Shape;310;p30"/>
           <p:cNvPicPr preferRelativeResize="0"/>
           <p:nvPr/>
         </p:nvPicPr>
@@ -13339,8 +13379,8 @@
         </p:blipFill>
         <p:spPr>
           <a:xfrm>
-            <a:off x="818475" y="2193950"/>
-            <a:ext cx="2324100" cy="1162050"/>
+            <a:off x="402800" y="2225775"/>
+            <a:ext cx="3271900" cy="1266025"/>
           </a:xfrm>
           <a:prstGeom prst="rect">
             <a:avLst/>
@@ -13351,46 +13391,6 @@
           </a:ln>
         </p:spPr>
       </p:pic>
-      <p:sp>
-        <p:nvSpPr>
-          <p:cNvPr id="310" name="Google Shape;310;p30"/>
-          <p:cNvSpPr txBox="1"/>
-          <p:nvPr>
-            <p:ph idx="12" type="sldNum"/>
-          </p:nvPr>
-        </p:nvSpPr>
-        <p:spPr>
-          <a:xfrm>
-            <a:off x="8390734" y="4543668"/>
-            <a:ext cx="548700" cy="393600"/>
-          </a:xfrm>
-          <a:prstGeom prst="rect">
-            <a:avLst/>
-          </a:prstGeom>
-        </p:spPr>
-        <p:txBody>
-          <a:bodyPr anchorCtr="0" anchor="ctr" bIns="91425" lIns="91425" spcFirstLastPara="1" rIns="91425" wrap="square" tIns="91425">
-            <a:normAutofit/>
-          </a:bodyPr>
-          <a:lstStyle/>
-          <a:p>
-            <a:pPr indent="0" lvl="0" marL="0" rtl="0" algn="r">
-              <a:spcBef>
-                <a:spcPts val="0"/>
-              </a:spcBef>
-              <a:spcAft>
-                <a:spcPts val="0"/>
-              </a:spcAft>
-              <a:buNone/>
-            </a:pPr>
-            <a:fld id="{00000000-1234-1234-1234-123412341234}" type="slidenum">
-              <a:rPr lang="es-419"/>
-              <a:t>‹#›</a:t>
-            </a:fld>
-            <a:endParaRPr/>
-          </a:p>
-        </p:txBody>
-      </p:sp>
     </p:spTree>
   </p:cSld>
   <p:clrMapOvr>
@@ -14164,8 +14164,36 @@
         </p:blipFill>
         <p:spPr>
           <a:xfrm>
-            <a:off x="2060438" y="2988450"/>
-            <a:ext cx="4336426" cy="1513825"/>
+            <a:off x="4902975" y="2988450"/>
+            <a:ext cx="3742600" cy="1306530"/>
+          </a:xfrm>
+          <a:prstGeom prst="rect">
+            <a:avLst/>
+          </a:prstGeom>
+          <a:noFill/>
+          <a:ln>
+            <a:noFill/>
+          </a:ln>
+        </p:spPr>
+      </p:pic>
+      <p:pic>
+        <p:nvPicPr>
+          <p:cNvPr id="328" name="Google Shape;328;p32"/>
+          <p:cNvPicPr preferRelativeResize="0"/>
+          <p:nvPr/>
+        </p:nvPicPr>
+        <p:blipFill>
+          <a:blip r:embed="rId4">
+            <a:alphaModFix/>
+          </a:blip>
+          <a:stretch>
+            <a:fillRect/>
+          </a:stretch>
+        </p:blipFill>
+        <p:spPr>
+          <a:xfrm>
+            <a:off x="479675" y="2846526"/>
+            <a:ext cx="4423296" cy="1165800"/>
           </a:xfrm>
           <a:prstGeom prst="rect">
             <a:avLst/>
@@ -14189,7 +14217,7 @@
   <p:cSld>
     <p:spTree>
       <p:nvGrpSpPr>
-        <p:cNvPr id="331" name="Shape 331"/>
+        <p:cNvPr id="332" name="Shape 332"/>
         <p:cNvGrpSpPr/>
         <p:nvPr/>
       </p:nvGrpSpPr>
@@ -14203,7 +14231,7 @@
       </p:grpSpPr>
       <p:sp>
         <p:nvSpPr>
-          <p:cNvPr id="332" name="Google Shape;332;p33"/>
+          <p:cNvPr id="333" name="Google Shape;333;p33"/>
           <p:cNvSpPr txBox="1"/>
           <p:nvPr>
             <p:ph type="title"/>
@@ -14243,7 +14271,7 @@
       </p:sp>
       <p:sp>
         <p:nvSpPr>
-          <p:cNvPr id="333" name="Google Shape;333;p33"/>
+          <p:cNvPr id="334" name="Google Shape;334;p33"/>
           <p:cNvSpPr txBox="1"/>
           <p:nvPr>
             <p:ph idx="1" type="body"/>
@@ -14419,7 +14447,7 @@
       </p:sp>
       <p:sp>
         <p:nvSpPr>
-          <p:cNvPr id="334" name="Google Shape;334;p33"/>
+          <p:cNvPr id="335" name="Google Shape;335;p33"/>
           <p:cNvSpPr txBox="1"/>
           <p:nvPr>
             <p:ph idx="12" type="sldNum"/>
@@ -14459,7 +14487,7 @@
       </p:sp>
       <p:sp>
         <p:nvSpPr>
-          <p:cNvPr id="335" name="Google Shape;335;p33"/>
+          <p:cNvPr id="336" name="Google Shape;336;p33"/>
           <p:cNvSpPr txBox="1"/>
           <p:nvPr>
             <p:ph type="title"/>
